--- a/PRS/PRS KOLOKVIJUM 2/DOG CO.pptx
+++ b/PRS/PRS KOLOKVIJUM 2/DOG CO.pptx
@@ -121,6 +121,11 @@
       </a:defRPr>
     </a:lvl9pPr>
   </p:defaultTextStyle>
+  <p:extLst>
+    <p:ext uri="{EFAFB233-063F-42B5-8137-9DF3F51BA10A}">
+      <p15:sldGuideLst xmlns:p15="http://schemas.microsoft.com/office/powerpoint/2012/main"/>
+    </p:ext>
+  </p:extLst>
 </p:presentation>
 </file>
 
@@ -292,7 +297,7 @@
           <a:p>
             <a:fld id="{F231D868-7C66-4C82-A3FC-3340108E44F2}" type="datetimeFigureOut">
               <a:rPr lang="en-US" smtClean="0"/>
-              <a:t>1/6/2023</a:t>
+              <a:t>1/12/2023</a:t>
             </a:fld>
             <a:endParaRPr lang="en-US"/>
           </a:p>
@@ -520,7 +525,7 @@
           <a:p>
             <a:fld id="{F231D868-7C66-4C82-A3FC-3340108E44F2}" type="datetimeFigureOut">
               <a:rPr lang="en-US" smtClean="0"/>
-              <a:t>1/6/2023</a:t>
+              <a:t>1/12/2023</a:t>
             </a:fld>
             <a:endParaRPr lang="en-US"/>
           </a:p>
@@ -700,7 +705,7 @@
           <a:p>
             <a:fld id="{F231D868-7C66-4C82-A3FC-3340108E44F2}" type="datetimeFigureOut">
               <a:rPr lang="en-US" smtClean="0"/>
-              <a:t>1/6/2023</a:t>
+              <a:t>1/12/2023</a:t>
             </a:fld>
             <a:endParaRPr lang="en-US"/>
           </a:p>
@@ -870,7 +875,7 @@
           <a:p>
             <a:fld id="{F231D868-7C66-4C82-A3FC-3340108E44F2}" type="datetimeFigureOut">
               <a:rPr lang="en-US" smtClean="0"/>
-              <a:t>1/6/2023</a:t>
+              <a:t>1/12/2023</a:t>
             </a:fld>
             <a:endParaRPr lang="en-US"/>
           </a:p>
@@ -1124,7 +1129,7 @@
           <a:p>
             <a:fld id="{F231D868-7C66-4C82-A3FC-3340108E44F2}" type="datetimeFigureOut">
               <a:rPr lang="en-US" smtClean="0"/>
-              <a:t>1/6/2023</a:t>
+              <a:t>1/12/2023</a:t>
             </a:fld>
             <a:endParaRPr lang="en-US"/>
           </a:p>
@@ -1450,7 +1455,7 @@
           <a:p>
             <a:fld id="{F231D868-7C66-4C82-A3FC-3340108E44F2}" type="datetimeFigureOut">
               <a:rPr lang="en-US" smtClean="0"/>
-              <a:t>1/6/2023</a:t>
+              <a:t>1/12/2023</a:t>
             </a:fld>
             <a:endParaRPr lang="en-US"/>
           </a:p>
@@ -1901,7 +1906,7 @@
           <a:p>
             <a:fld id="{F231D868-7C66-4C82-A3FC-3340108E44F2}" type="datetimeFigureOut">
               <a:rPr lang="en-US" smtClean="0"/>
-              <a:t>1/6/2023</a:t>
+              <a:t>1/12/2023</a:t>
             </a:fld>
             <a:endParaRPr lang="en-US"/>
           </a:p>
@@ -2019,7 +2024,7 @@
           <a:p>
             <a:fld id="{F231D868-7C66-4C82-A3FC-3340108E44F2}" type="datetimeFigureOut">
               <a:rPr lang="en-US" smtClean="0"/>
-              <a:t>1/6/2023</a:t>
+              <a:t>1/12/2023</a:t>
             </a:fld>
             <a:endParaRPr lang="en-US"/>
           </a:p>
@@ -2114,7 +2119,7 @@
           <a:p>
             <a:fld id="{F231D868-7C66-4C82-A3FC-3340108E44F2}" type="datetimeFigureOut">
               <a:rPr lang="en-US" smtClean="0"/>
-              <a:t>1/6/2023</a:t>
+              <a:t>1/12/2023</a:t>
             </a:fld>
             <a:endParaRPr lang="en-US"/>
           </a:p>
@@ -2401,7 +2406,7 @@
           <a:p>
             <a:fld id="{F231D868-7C66-4C82-A3FC-3340108E44F2}" type="datetimeFigureOut">
               <a:rPr lang="en-US" smtClean="0"/>
-              <a:t>1/6/2023</a:t>
+              <a:t>1/12/2023</a:t>
             </a:fld>
             <a:endParaRPr lang="en-US"/>
           </a:p>
@@ -2723,7 +2728,7 @@
           <a:p>
             <a:fld id="{F231D868-7C66-4C82-A3FC-3340108E44F2}" type="datetimeFigureOut">
               <a:rPr lang="en-US" smtClean="0"/>
-              <a:t>1/6/2023</a:t>
+              <a:t>1/12/2023</a:t>
             </a:fld>
             <a:endParaRPr lang="en-US"/>
           </a:p>
@@ -2977,7 +2982,7 @@
           <a:p>
             <a:fld id="{F231D868-7C66-4C82-A3FC-3340108E44F2}" type="datetimeFigureOut">
               <a:rPr lang="en-US" smtClean="0"/>
-              <a:t>1/6/2023</a:t>
+              <a:t>1/12/2023</a:t>
             </a:fld>
             <a:endParaRPr lang="en-US"/>
           </a:p>
@@ -7105,12 +7110,84 @@
           <a:chExt cx="0" cy="0"/>
         </a:xfrm>
       </p:grpSpPr>
+      <p:sp>
+        <p:nvSpPr>
+          <p:cNvPr id="2" name="TextBox 1">
+            <a:extLst>
+              <a:ext uri="{FF2B5EF4-FFF2-40B4-BE49-F238E27FC236}">
+                <a16:creationId xmlns:a16="http://schemas.microsoft.com/office/drawing/2014/main" id="{0212C38F-247D-470F-B29B-3C70A4604363}"/>
+              </a:ext>
+            </a:extLst>
+          </p:cNvPr>
+          <p:cNvSpPr txBox="1"/>
+          <p:nvPr/>
+        </p:nvSpPr>
+        <p:spPr>
+          <a:xfrm>
+            <a:off x="1298265" y="999067"/>
+            <a:ext cx="6983002" cy="646331"/>
+          </a:xfrm>
+          <a:prstGeom prst="rect">
+            <a:avLst/>
+          </a:prstGeom>
+          <a:noFill/>
+        </p:spPr>
+        <p:txBody>
+          <a:bodyPr wrap="none" rtlCol="0">
+            <a:spAutoFit/>
+          </a:bodyPr>
+          <a:lstStyle/>
+          <a:p>
+            <a:pPr algn="ctr"/>
+            <a:r>
+              <a:rPr lang="en-US" dirty="0"/>
+              <a:t>Link za </a:t>
+            </a:r>
+            <a:r>
+              <a:rPr lang="en-US" dirty="0" err="1"/>
+              <a:t>preuzimanje</a:t>
+            </a:r>
+            <a:r>
+              <a:rPr lang="en-US" dirty="0"/>
+              <a:t> </a:t>
+            </a:r>
+            <a:r>
+              <a:rPr lang="en-US" dirty="0" err="1"/>
+              <a:t>aplikacije</a:t>
+            </a:r>
+            <a:r>
+              <a:rPr lang="en-US" dirty="0"/>
+              <a:t>: </a:t>
+            </a:r>
+            <a:r>
+              <a:rPr lang="en-US" b="1" i="0" dirty="0">
+                <a:solidFill>
+                  <a:srgbClr val="FF0000"/>
+                </a:solidFill>
+                <a:effectLst/>
+                <a:latin typeface="Lato" panose="020F0502020204030203" pitchFamily="34" charset="0"/>
+              </a:rPr>
+              <a:t>http://mobincube.mobi/85XYJ9</a:t>
+            </a:r>
+            <a:endParaRPr lang="en-US" b="0" i="0" dirty="0">
+              <a:solidFill>
+                <a:srgbClr val="FF0000"/>
+              </a:solidFill>
+              <a:effectLst/>
+              <a:latin typeface="Lato" panose="020F0502020204030203" pitchFamily="34" charset="0"/>
+            </a:endParaRPr>
+          </a:p>
+          <a:p>
+            <a:endParaRPr lang="en-US" dirty="0"/>
+          </a:p>
+        </p:txBody>
+      </p:sp>
       <p:pic>
         <p:nvPicPr>
-          <p:cNvPr id="5" name="Picture 4">
-            <a:extLst>
-              <a:ext uri="{FF2B5EF4-FFF2-40B4-BE49-F238E27FC236}">
-                <a16:creationId xmlns:a16="http://schemas.microsoft.com/office/drawing/2014/main" id="{EE56760F-8036-47CA-AA79-2E2D34B98CF1}"/>
+          <p:cNvPr id="4" name="Picture 3">
+            <a:extLst>
+              <a:ext uri="{FF2B5EF4-FFF2-40B4-BE49-F238E27FC236}">
+                <a16:creationId xmlns:a16="http://schemas.microsoft.com/office/drawing/2014/main" id="{50C70609-0F38-41DB-9CA3-2417D37484A1}"/>
               </a:ext>
             </a:extLst>
           </p:cNvPr>
@@ -7133,8 +7210,44 @@
         </p:blipFill>
         <p:spPr>
           <a:xfrm>
-            <a:off x="1524000" y="0"/>
-            <a:ext cx="9143999" cy="6858000"/>
+            <a:off x="3842028" y="2495550"/>
+            <a:ext cx="1895475" cy="1866900"/>
+          </a:xfrm>
+          <a:prstGeom prst="rect">
+            <a:avLst/>
+          </a:prstGeom>
+        </p:spPr>
+      </p:pic>
+      <p:pic>
+        <p:nvPicPr>
+          <p:cNvPr id="7" name="Picture 6">
+            <a:extLst>
+              <a:ext uri="{FF2B5EF4-FFF2-40B4-BE49-F238E27FC236}">
+                <a16:creationId xmlns:a16="http://schemas.microsoft.com/office/drawing/2014/main" id="{49EC4805-2CA0-4071-88E4-B6103E26BA2F}"/>
+              </a:ext>
+            </a:extLst>
+          </p:cNvPr>
+          <p:cNvPicPr>
+            <a:picLocks noChangeAspect="1"/>
+          </p:cNvPicPr>
+          <p:nvPr/>
+        </p:nvPicPr>
+        <p:blipFill>
+          <a:blip r:embed="rId3">
+            <a:extLst>
+              <a:ext uri="{28A0092B-C50C-407E-A947-70E740481C1C}">
+                <a14:useLocalDpi xmlns:a14="http://schemas.microsoft.com/office/drawing/2010/main" val="0"/>
+              </a:ext>
+            </a:extLst>
+          </a:blip>
+          <a:stretch>
+            <a:fillRect/>
+          </a:stretch>
+        </p:blipFill>
+        <p:spPr>
+          <a:xfrm>
+            <a:off x="4789765" y="1200834"/>
+            <a:ext cx="6210798" cy="4658099"/>
           </a:xfrm>
           <a:prstGeom prst="rect">
             <a:avLst/>
